--- a/CS335 Presentation.pptx
+++ b/CS335 Presentation.pptx
@@ -126,6 +126,7 @@
   <p1510:revLst>
     <p1510:client id="{4597745F-95C4-019E-5479-46C34FBB4B6C}" v="1013" dt="2025-04-28T19:27:10.637"/>
     <p1510:client id="{6AE7FB35-5604-382E-9E62-B6EE049AFE23}" v="11" dt="2025-04-28T19:29:24.959"/>
+    <p1510:client id="{D018CA07-E9ED-81C6-8BC1-25A11FAB9B0E}" v="3" dt="2025-04-28T21:45:40.743"/>
   </p1510:revLst>
 </p1510:revInfo>
 </file>
@@ -5440,7 +5441,7 @@
           <a:p>
             <a:r>
               <a:rPr lang="en-US" dirty="0"/>
-              <a:t>Group: 23</a:t>
+              <a:t>Group: 32</a:t>
             </a:r>
           </a:p>
           <a:p>
